--- a/Project_Poster.pptx
+++ b/Project_Poster.pptx
@@ -6334,7 +6334,7 @@
           <a:p>
             <a:r>
               <a:rPr lang="en-US" dirty="0"/>
-              <a:t>Monitoring classroom occupancy is an important aspect of managing educational facilities. However, current methods for detecting occupancy are often cumbersome, expensive, and may not be accurate. In this study, we propose a low-cost and non-invasive method of detecting classroom occupancy by monitoring ambient temperature and humidity changes using Raspberry Pi and DHT22 temperature sensors. The Raspberry Pi is a small, affordable computer that can be used for a variety of projects. We used the Raspberry Pi to collect temperature and humidity data from DHT22 sensors placed inside classrooms. The sensors were set to record temperature data every 5 minutes, and the data is then pushed to an SQL server for later analysis. Machine learning algorithms are employed to analyze the temperature and humidity data and identify patterns of occupancy based on changes in temperature. The study seeks to explore the potential of temperature changes as an indicator of occupancy in classrooms. This research has important implications for educational institutions looking for a low-cost, non-invasive, yet innovative method of monitoring classroom occupancy. By using Raspberry Pi and DHT22 temperature sensors, schools can save money on expensive occupancy sensors and ensure that their facilities are being used efficiently.</a:t>
+              <a:t>Monitoring classroom occupancy is an important aspect of managing educational facilities. However, current methods for detecting occupancy are often cumbersome, expensive, and may not be accurate. In this study, we propose a low-cost and non-invasive method of detecting classroom occupancy by monitoring ambient temperature and humidity changes using Raspberry Pi and DHT22 temperature sensors. The Raspberry Pi is a small, affordable computer that can be used for a variety of projects. We used the Raspberry Pi to collect temperature and humidity data from DHT22 sensors placed inside classrooms. The sensors were set to record temperature data every 2 seconds, and the data is then pushed to an SQL server for later analysis. Machine learning algorithms are employed to analyze the temperature and humidity data and identify patterns of occupancy based on changes in temperature. The study seeks to explore the potential of temperature changes as an indicator of occupancy in classrooms. This research has important implications for educational institutions looking for a low-cost, non-invasive, yet innovative method of monitoring classroom occupancy. By using Raspberry Pi and DHT22 temperature sensors, schools can save money on expensive occupancy sensors and ensure that their facilities are being used efficiently.</a:t>
             </a:r>
           </a:p>
         </p:txBody>
@@ -6488,7 +6488,7 @@
             </a:r>
             <a:r>
               <a:rPr lang="en-US" dirty="0"/>
-              <a:t>: Programmed the Raspberry Pi to collect temperature data from the DHT22 sensors every 5 minutes, using the Python programming language. The data was stored on an SD card for later analysis.</a:t>
+              <a:t>: Programmed the Raspberry Pi to collect temperature data from the DHT22 sensors every 2 seconds, using the Python programming language. The data was stored on an SD card for later analysis.</a:t>
             </a:r>
           </a:p>
           <a:p>
@@ -6522,8 +6522,13 @@
             </a:r>
             <a:r>
               <a:rPr lang="en-US" dirty="0"/>
-              <a:t> to create a data visualization dashboard that displays the live occupancy in the classrooms. We connected the dashboard to the Raspberry Pi and configured it to update every 5 minutes.</a:t>
-            </a:r>
+              <a:t> to create a data visualization dashboard that displays the live occupancy in the classrooms. We connected the dashboard to the Raspberry Pi and configured it to update </a:t>
+            </a:r>
+            <a:r>
+              <a:rPr lang="en-US"/>
+              <a:t>every 2 seconds.</a:t>
+            </a:r>
+            <a:endParaRPr lang="en-US" dirty="0"/>
           </a:p>
           <a:p>
             <a:endParaRPr lang="en-US" dirty="0"/>
